--- a/doc/schema.pptx
+++ b/doc/schema.pptx
@@ -104,6 +104,11 @@
       </a:defRPr>
     </a:lvl9pPr>
   </p:defaultTextStyle>
+  <p:extLst>
+    <p:ext uri="{EFAFB233-063F-42B5-8137-9DF3F51BA10A}">
+      <p15:sldGuideLst xmlns:p15="http://schemas.microsoft.com/office/powerpoint/2012/main"/>
+    </p:ext>
+  </p:extLst>
 </p:presentation>
 </file>
 
@@ -238,7 +243,7 @@
           <a:p>
             <a:fld id="{E9D35175-DC93-4418-BB05-467DE793B3D0}" type="datetimeFigureOut">
               <a:rPr lang="ru-RU" smtClean="0"/>
-              <a:t>21.12.2015</a:t>
+              <a:t>23.12.2015</a:t>
             </a:fld>
             <a:endParaRPr lang="ru-RU"/>
           </a:p>
@@ -408,7 +413,7 @@
           <a:p>
             <a:fld id="{E9D35175-DC93-4418-BB05-467DE793B3D0}" type="datetimeFigureOut">
               <a:rPr lang="ru-RU" smtClean="0"/>
-              <a:t>21.12.2015</a:t>
+              <a:t>23.12.2015</a:t>
             </a:fld>
             <a:endParaRPr lang="ru-RU"/>
           </a:p>
@@ -588,7 +593,7 @@
           <a:p>
             <a:fld id="{E9D35175-DC93-4418-BB05-467DE793B3D0}" type="datetimeFigureOut">
               <a:rPr lang="ru-RU" smtClean="0"/>
-              <a:t>21.12.2015</a:t>
+              <a:t>23.12.2015</a:t>
             </a:fld>
             <a:endParaRPr lang="ru-RU"/>
           </a:p>
@@ -758,7 +763,7 @@
           <a:p>
             <a:fld id="{E9D35175-DC93-4418-BB05-467DE793B3D0}" type="datetimeFigureOut">
               <a:rPr lang="ru-RU" smtClean="0"/>
-              <a:t>21.12.2015</a:t>
+              <a:t>23.12.2015</a:t>
             </a:fld>
             <a:endParaRPr lang="ru-RU"/>
           </a:p>
@@ -1004,7 +1009,7 @@
           <a:p>
             <a:fld id="{E9D35175-DC93-4418-BB05-467DE793B3D0}" type="datetimeFigureOut">
               <a:rPr lang="ru-RU" smtClean="0"/>
-              <a:t>21.12.2015</a:t>
+              <a:t>23.12.2015</a:t>
             </a:fld>
             <a:endParaRPr lang="ru-RU"/>
           </a:p>
@@ -1236,7 +1241,7 @@
           <a:p>
             <a:fld id="{E9D35175-DC93-4418-BB05-467DE793B3D0}" type="datetimeFigureOut">
               <a:rPr lang="ru-RU" smtClean="0"/>
-              <a:t>21.12.2015</a:t>
+              <a:t>23.12.2015</a:t>
             </a:fld>
             <a:endParaRPr lang="ru-RU"/>
           </a:p>
@@ -1603,7 +1608,7 @@
           <a:p>
             <a:fld id="{E9D35175-DC93-4418-BB05-467DE793B3D0}" type="datetimeFigureOut">
               <a:rPr lang="ru-RU" smtClean="0"/>
-              <a:t>21.12.2015</a:t>
+              <a:t>23.12.2015</a:t>
             </a:fld>
             <a:endParaRPr lang="ru-RU"/>
           </a:p>
@@ -1721,7 +1726,7 @@
           <a:p>
             <a:fld id="{E9D35175-DC93-4418-BB05-467DE793B3D0}" type="datetimeFigureOut">
               <a:rPr lang="ru-RU" smtClean="0"/>
-              <a:t>21.12.2015</a:t>
+              <a:t>23.12.2015</a:t>
             </a:fld>
             <a:endParaRPr lang="ru-RU"/>
           </a:p>
@@ -1816,7 +1821,7 @@
           <a:p>
             <a:fld id="{E9D35175-DC93-4418-BB05-467DE793B3D0}" type="datetimeFigureOut">
               <a:rPr lang="ru-RU" smtClean="0"/>
-              <a:t>21.12.2015</a:t>
+              <a:t>23.12.2015</a:t>
             </a:fld>
             <a:endParaRPr lang="ru-RU"/>
           </a:p>
@@ -2093,7 +2098,7 @@
           <a:p>
             <a:fld id="{E9D35175-DC93-4418-BB05-467DE793B3D0}" type="datetimeFigureOut">
               <a:rPr lang="ru-RU" smtClean="0"/>
-              <a:t>21.12.2015</a:t>
+              <a:t>23.12.2015</a:t>
             </a:fld>
             <a:endParaRPr lang="ru-RU"/>
           </a:p>
@@ -2346,7 +2351,7 @@
           <a:p>
             <a:fld id="{E9D35175-DC93-4418-BB05-467DE793B3D0}" type="datetimeFigureOut">
               <a:rPr lang="ru-RU" smtClean="0"/>
-              <a:t>21.12.2015</a:t>
+              <a:t>23.12.2015</a:t>
             </a:fld>
             <a:endParaRPr lang="ru-RU"/>
           </a:p>
@@ -2559,7 +2564,7 @@
           <a:p>
             <a:fld id="{E9D35175-DC93-4418-BB05-467DE793B3D0}" type="datetimeFigureOut">
               <a:rPr lang="ru-RU" smtClean="0"/>
-              <a:t>21.12.2015</a:t>
+              <a:t>23.12.2015</a:t>
             </a:fld>
             <a:endParaRPr lang="ru-RU"/>
           </a:p>
@@ -2966,6 +2971,104 @@
       </p:grpSpPr>
       <p:sp>
         <p:nvSpPr>
+          <p:cNvPr id="21" name="Прямоугольник 20"/>
+          <p:cNvSpPr/>
+          <p:nvPr/>
+        </p:nvSpPr>
+        <p:spPr>
+          <a:xfrm>
+            <a:off x="5064129" y="4095448"/>
+            <a:ext cx="1503893" cy="533400"/>
+          </a:xfrm>
+          <a:prstGeom prst="rect">
+            <a:avLst/>
+          </a:prstGeom>
+          <a:solidFill>
+            <a:schemeClr val="accent1">
+              <a:lumMod val="75000"/>
+            </a:schemeClr>
+          </a:solidFill>
+        </p:spPr>
+        <p:style>
+          <a:lnRef idx="2">
+            <a:schemeClr val="accent1">
+              <a:shade val="50000"/>
+            </a:schemeClr>
+          </a:lnRef>
+          <a:fillRef idx="1">
+            <a:schemeClr val="accent1"/>
+          </a:fillRef>
+          <a:effectRef idx="0">
+            <a:schemeClr val="accent1"/>
+          </a:effectRef>
+          <a:fontRef idx="minor">
+            <a:schemeClr val="lt1"/>
+          </a:fontRef>
+        </p:style>
+        <p:txBody>
+          <a:bodyPr rtlCol="0" anchor="ctr"/>
+          <a:lstStyle/>
+          <a:p>
+            <a:pPr algn="ctr"/>
+            <a:r>
+              <a:rPr lang="en-US" dirty="0" smtClean="0"/>
+              <a:t>Background Tasks</a:t>
+            </a:r>
+            <a:endParaRPr lang="ru-RU" dirty="0"/>
+          </a:p>
+        </p:txBody>
+      </p:sp>
+      <p:sp>
+        <p:nvSpPr>
+          <p:cNvPr id="17" name="Прямоугольник 16"/>
+          <p:cNvSpPr/>
+          <p:nvPr/>
+        </p:nvSpPr>
+        <p:spPr>
+          <a:xfrm>
+            <a:off x="2990850" y="3739848"/>
+            <a:ext cx="1517652" cy="533400"/>
+          </a:xfrm>
+          <a:prstGeom prst="rect">
+            <a:avLst/>
+          </a:prstGeom>
+          <a:solidFill>
+            <a:schemeClr val="accent1">
+              <a:lumMod val="75000"/>
+            </a:schemeClr>
+          </a:solidFill>
+        </p:spPr>
+        <p:style>
+          <a:lnRef idx="2">
+            <a:schemeClr val="accent1">
+              <a:shade val="50000"/>
+            </a:schemeClr>
+          </a:lnRef>
+          <a:fillRef idx="1">
+            <a:schemeClr val="accent1"/>
+          </a:fillRef>
+          <a:effectRef idx="0">
+            <a:schemeClr val="accent1"/>
+          </a:effectRef>
+          <a:fontRef idx="minor">
+            <a:schemeClr val="lt1"/>
+          </a:fontRef>
+        </p:style>
+        <p:txBody>
+          <a:bodyPr rtlCol="0" anchor="ctr"/>
+          <a:lstStyle/>
+          <a:p>
+            <a:pPr algn="ctr"/>
+            <a:r>
+              <a:rPr lang="en-US" dirty="0" smtClean="0"/>
+              <a:t>Scope</a:t>
+            </a:r>
+            <a:endParaRPr lang="ru-RU" dirty="0"/>
+          </a:p>
+        </p:txBody>
+      </p:sp>
+      <p:sp>
+        <p:nvSpPr>
           <p:cNvPr id="4" name="Прямоугольник 3"/>
           <p:cNvSpPr/>
           <p:nvPr/>
@@ -3327,115 +3430,100 @@
             <a:pPr algn="ctr"/>
             <a:r>
               <a:rPr lang="en-US" dirty="0" smtClean="0"/>
-              <a:t>Scope</a:t>
+              <a:t>Scopes</a:t>
             </a:r>
             <a:endParaRPr lang="ru-RU" dirty="0"/>
           </a:p>
         </p:txBody>
       </p:sp>
-      <p:grpSp>
-        <p:nvGrpSpPr>
-          <p:cNvPr id="20" name="Группа 19"/>
-          <p:cNvGrpSpPr/>
+      <p:sp>
+        <p:nvSpPr>
+          <p:cNvPr id="18" name="Прямоугольник 17"/>
+          <p:cNvSpPr/>
           <p:nvPr/>
-        </p:nvGrpSpPr>
-        <p:grpSpPr>
+        </p:nvSpPr>
+        <p:spPr>
+          <a:xfrm>
+            <a:off x="5073656" y="4053114"/>
+            <a:ext cx="1503893" cy="533400"/>
+          </a:xfrm>
+          <a:prstGeom prst="rect">
+            <a:avLst/>
+          </a:prstGeom>
+        </p:spPr>
+        <p:style>
+          <a:lnRef idx="2">
+            <a:schemeClr val="accent1">
+              <a:shade val="50000"/>
+            </a:schemeClr>
+          </a:lnRef>
+          <a:fillRef idx="1">
+            <a:schemeClr val="accent1"/>
+          </a:fillRef>
+          <a:effectRef idx="0">
+            <a:schemeClr val="accent1"/>
+          </a:effectRef>
+          <a:fontRef idx="minor">
+            <a:schemeClr val="lt1"/>
+          </a:fontRef>
+        </p:style>
+        <p:txBody>
+          <a:bodyPr rtlCol="0" anchor="ctr"/>
+          <a:lstStyle/>
+          <a:p>
+            <a:pPr algn="ctr"/>
+            <a:r>
+              <a:rPr lang="en-US" dirty="0" smtClean="0"/>
+              <a:t>Background Tasks</a:t>
+            </a:r>
+            <a:endParaRPr lang="ru-RU" dirty="0"/>
+          </a:p>
+        </p:txBody>
+      </p:sp>
+      <p:sp>
+        <p:nvSpPr>
+          <p:cNvPr id="19" name="Прямоугольник 18"/>
+          <p:cNvSpPr/>
+          <p:nvPr/>
+        </p:nvSpPr>
+        <p:spPr>
           <a:xfrm>
             <a:off x="5073655" y="3333448"/>
-            <a:ext cx="1503894" cy="1253066"/>
-            <a:chOff x="4362453" y="3693281"/>
-            <a:chExt cx="1503894" cy="1253066"/>
+            <a:ext cx="1503893" cy="533400"/>
           </a:xfrm>
-        </p:grpSpPr>
-        <p:sp>
-          <p:nvSpPr>
-            <p:cNvPr id="18" name="Прямоугольник 17"/>
-            <p:cNvSpPr/>
-            <p:nvPr/>
-          </p:nvSpPr>
-          <p:spPr>
-            <a:xfrm>
-              <a:off x="4362454" y="4412947"/>
-              <a:ext cx="1503893" cy="533400"/>
-            </a:xfrm>
-            <a:prstGeom prst="rect">
-              <a:avLst/>
-            </a:prstGeom>
-          </p:spPr>
-          <p:style>
-            <a:lnRef idx="2">
-              <a:schemeClr val="accent1">
-                <a:shade val="50000"/>
-              </a:schemeClr>
-            </a:lnRef>
-            <a:fillRef idx="1">
-              <a:schemeClr val="accent1"/>
-            </a:fillRef>
-            <a:effectRef idx="0">
-              <a:schemeClr val="accent1"/>
-            </a:effectRef>
-            <a:fontRef idx="minor">
-              <a:schemeClr val="lt1"/>
-            </a:fontRef>
-          </p:style>
-          <p:txBody>
-            <a:bodyPr rtlCol="0" anchor="ctr"/>
-            <a:lstStyle/>
-            <a:p>
-              <a:pPr algn="ctr"/>
-              <a:r>
-                <a:rPr lang="en-US" dirty="0" smtClean="0"/>
-                <a:t>Background Tasks</a:t>
-              </a:r>
-              <a:endParaRPr lang="ru-RU" dirty="0"/>
-            </a:p>
-          </p:txBody>
-        </p:sp>
-        <p:sp>
-          <p:nvSpPr>
-            <p:cNvPr id="19" name="Прямоугольник 18"/>
-            <p:cNvSpPr/>
-            <p:nvPr/>
-          </p:nvSpPr>
-          <p:spPr>
-            <a:xfrm>
-              <a:off x="4362453" y="3693281"/>
-              <a:ext cx="1503893" cy="533400"/>
-            </a:xfrm>
-            <a:prstGeom prst="rect">
-              <a:avLst/>
-            </a:prstGeom>
-          </p:spPr>
-          <p:style>
-            <a:lnRef idx="2">
-              <a:schemeClr val="accent1">
-                <a:shade val="50000"/>
-              </a:schemeClr>
-            </a:lnRef>
-            <a:fillRef idx="1">
-              <a:schemeClr val="accent1"/>
-            </a:fillRef>
-            <a:effectRef idx="0">
-              <a:schemeClr val="accent1"/>
-            </a:effectRef>
-            <a:fontRef idx="minor">
-              <a:schemeClr val="lt1"/>
-            </a:fontRef>
-          </p:style>
-          <p:txBody>
-            <a:bodyPr rtlCol="0" anchor="ctr"/>
-            <a:lstStyle/>
-            <a:p>
-              <a:pPr algn="ctr"/>
-              <a:r>
-                <a:rPr lang="en-US" dirty="0" smtClean="0"/>
-                <a:t>State</a:t>
-              </a:r>
-              <a:endParaRPr lang="ru-RU" dirty="0"/>
-            </a:p>
-          </p:txBody>
-        </p:sp>
-      </p:grpSp>
+          <a:prstGeom prst="rect">
+            <a:avLst/>
+          </a:prstGeom>
+        </p:spPr>
+        <p:style>
+          <a:lnRef idx="2">
+            <a:schemeClr val="accent1">
+              <a:shade val="50000"/>
+            </a:schemeClr>
+          </a:lnRef>
+          <a:fillRef idx="1">
+            <a:schemeClr val="accent1"/>
+          </a:fillRef>
+          <a:effectRef idx="0">
+            <a:schemeClr val="accent1"/>
+          </a:effectRef>
+          <a:fontRef idx="minor">
+            <a:schemeClr val="lt1"/>
+          </a:fontRef>
+        </p:style>
+        <p:txBody>
+          <a:bodyPr rtlCol="0" anchor="ctr"/>
+          <a:lstStyle/>
+          <a:p>
+            <a:pPr algn="ctr"/>
+            <a:r>
+              <a:rPr lang="en-US" dirty="0" smtClean="0"/>
+              <a:t>State</a:t>
+            </a:r>
+            <a:endParaRPr lang="ru-RU" dirty="0"/>
+          </a:p>
+        </p:txBody>
+      </p:sp>
       <p:cxnSp>
         <p:nvCxnSpPr>
           <p:cNvPr id="22" name="Соединительная линия уступом 21"/>
